--- a/Layout.pptx
+++ b/Layout.pptx
@@ -104,6 +104,11 @@
       </a:defRPr>
     </a:lvl9pPr>
   </p:defaultTextStyle>
+  <p:extLst>
+    <p:ext uri="{EFAFB233-063F-42B5-8137-9DF3F51BA10A}">
+      <p15:sldGuideLst xmlns:p15="http://schemas.microsoft.com/office/powerpoint/2012/main"/>
+    </p:ext>
+  </p:extLst>
 </p:presentation>
 </file>
 
@@ -2950,6 +2955,14 @@
 <file path=ppt/slides/slide1.xml><?xml version="1.0" encoding="utf-8"?>
 <p:sld xmlns:a="http://schemas.openxmlformats.org/drawingml/2006/main" xmlns:r="http://schemas.openxmlformats.org/officeDocument/2006/relationships" xmlns:p="http://schemas.openxmlformats.org/presentationml/2006/main">
   <p:cSld>
+    <p:bg>
+      <p:bgPr>
+        <a:solidFill>
+          <a:schemeClr val="tx1"/>
+        </a:solidFill>
+        <a:effectLst/>
+      </p:bgPr>
+    </p:bg>
     <p:spTree>
       <p:nvGrpSpPr>
         <p:cNvPr id="1" name=""/>
@@ -2966,7 +2979,7 @@
       </p:grpSpPr>
       <p:sp>
         <p:nvSpPr>
-          <p:cNvPr id="3" name="Rechteck 2"/>
+          <p:cNvPr id="3" name="Abgerundetes Rechteck 2"/>
           <p:cNvSpPr/>
           <p:nvPr/>
         </p:nvSpPr>
@@ -2975,10 +2988,15 @@
             <a:off x="472965" y="178676"/>
             <a:ext cx="10972801" cy="6516414"/>
           </a:xfrm>
-          <a:prstGeom prst="rect">
+          <a:prstGeom prst="roundRect">
             <a:avLst/>
           </a:prstGeom>
-          <a:noFill/>
+          <a:solidFill>
+            <a:schemeClr val="accent6">
+              <a:lumMod val="60000"/>
+              <a:lumOff val="40000"/>
+            </a:schemeClr>
+          </a:solidFill>
         </p:spPr>
         <p:style>
           <a:lnRef idx="2">
@@ -3014,7 +3032,7 @@
         <p:spPr>
           <a:xfrm>
             <a:off x="4183117" y="367862"/>
-            <a:ext cx="3773214" cy="369332"/>
+            <a:ext cx="3773214" cy="584775"/>
           </a:xfrm>
           <a:prstGeom prst="rect">
             <a:avLst/>
@@ -3029,10 +3047,10 @@
           <a:p>
             <a:pPr algn="ctr"/>
             <a:r>
-              <a:rPr lang="de-DE" dirty="0" smtClean="0"/>
+              <a:rPr lang="de-DE" sz="3200" b="1" dirty="0" smtClean="0"/>
               <a:t>Adressbuch</a:t>
             </a:r>
-            <a:endParaRPr lang="de-DE" dirty="0"/>
+            <a:endParaRPr lang="de-DE" b="1" dirty="0"/>
           </a:p>
         </p:txBody>
       </p:sp>
@@ -3044,7 +3062,7 @@
         </p:nvSpPr>
         <p:spPr>
           <a:xfrm>
-            <a:off x="966952" y="924910"/>
+            <a:off x="956442" y="1141823"/>
             <a:ext cx="5822731" cy="923330"/>
           </a:xfrm>
           <a:prstGeom prst="rect">
